--- a/temperature/output/SWIM_figures/CombinedMWMTfig.pptx
+++ b/temperature/output/SWIM_figures/CombinedMWMTfig.pptx
@@ -104,6 +104,11 @@
       </a:defRPr>
     </a:lvl9pPr>
   </p:defaultTextStyle>
+  <p:extLst>
+    <p:ext uri="{EFAFB233-063F-42B5-8137-9DF3F51BA10A}">
+      <p15:sldGuideLst xmlns:p15="http://schemas.microsoft.com/office/powerpoint/2012/main"/>
+    </p:ext>
+  </p:extLst>
 </p:presentation>
 </file>
 
@@ -238,7 +243,7 @@
           <a:p>
             <a:fld id="{CB1AFEA4-DFDB-4E66-A9E8-8870E7FD91BB}" type="datetimeFigureOut">
               <a:rPr lang="en-US" smtClean="0"/>
-              <a:t>1/17/2025</a:t>
+              <a:t>1/30/2025</a:t>
             </a:fld>
             <a:endParaRPr lang="en-US"/>
           </a:p>
@@ -408,7 +413,7 @@
           <a:p>
             <a:fld id="{CB1AFEA4-DFDB-4E66-A9E8-8870E7FD91BB}" type="datetimeFigureOut">
               <a:rPr lang="en-US" smtClean="0"/>
-              <a:t>1/17/2025</a:t>
+              <a:t>1/30/2025</a:t>
             </a:fld>
             <a:endParaRPr lang="en-US"/>
           </a:p>
@@ -588,7 +593,7 @@
           <a:p>
             <a:fld id="{CB1AFEA4-DFDB-4E66-A9E8-8870E7FD91BB}" type="datetimeFigureOut">
               <a:rPr lang="en-US" smtClean="0"/>
-              <a:t>1/17/2025</a:t>
+              <a:t>1/30/2025</a:t>
             </a:fld>
             <a:endParaRPr lang="en-US"/>
           </a:p>
@@ -758,7 +763,7 @@
           <a:p>
             <a:fld id="{CB1AFEA4-DFDB-4E66-A9E8-8870E7FD91BB}" type="datetimeFigureOut">
               <a:rPr lang="en-US" smtClean="0"/>
-              <a:t>1/17/2025</a:t>
+              <a:t>1/30/2025</a:t>
             </a:fld>
             <a:endParaRPr lang="en-US"/>
           </a:p>
@@ -1002,7 +1007,7 @@
           <a:p>
             <a:fld id="{CB1AFEA4-DFDB-4E66-A9E8-8870E7FD91BB}" type="datetimeFigureOut">
               <a:rPr lang="en-US" smtClean="0"/>
-              <a:t>1/17/2025</a:t>
+              <a:t>1/30/2025</a:t>
             </a:fld>
             <a:endParaRPr lang="en-US"/>
           </a:p>
@@ -1234,7 +1239,7 @@
           <a:p>
             <a:fld id="{CB1AFEA4-DFDB-4E66-A9E8-8870E7FD91BB}" type="datetimeFigureOut">
               <a:rPr lang="en-US" smtClean="0"/>
-              <a:t>1/17/2025</a:t>
+              <a:t>1/30/2025</a:t>
             </a:fld>
             <a:endParaRPr lang="en-US"/>
           </a:p>
@@ -1601,7 +1606,7 @@
           <a:p>
             <a:fld id="{CB1AFEA4-DFDB-4E66-A9E8-8870E7FD91BB}" type="datetimeFigureOut">
               <a:rPr lang="en-US" smtClean="0"/>
-              <a:t>1/17/2025</a:t>
+              <a:t>1/30/2025</a:t>
             </a:fld>
             <a:endParaRPr lang="en-US"/>
           </a:p>
@@ -1719,7 +1724,7 @@
           <a:p>
             <a:fld id="{CB1AFEA4-DFDB-4E66-A9E8-8870E7FD91BB}" type="datetimeFigureOut">
               <a:rPr lang="en-US" smtClean="0"/>
-              <a:t>1/17/2025</a:t>
+              <a:t>1/30/2025</a:t>
             </a:fld>
             <a:endParaRPr lang="en-US"/>
           </a:p>
@@ -1814,7 +1819,7 @@
           <a:p>
             <a:fld id="{CB1AFEA4-DFDB-4E66-A9E8-8870E7FD91BB}" type="datetimeFigureOut">
               <a:rPr lang="en-US" smtClean="0"/>
-              <a:t>1/17/2025</a:t>
+              <a:t>1/30/2025</a:t>
             </a:fld>
             <a:endParaRPr lang="en-US"/>
           </a:p>
@@ -2091,7 +2096,7 @@
           <a:p>
             <a:fld id="{CB1AFEA4-DFDB-4E66-A9E8-8870E7FD91BB}" type="datetimeFigureOut">
               <a:rPr lang="en-US" smtClean="0"/>
-              <a:t>1/17/2025</a:t>
+              <a:t>1/30/2025</a:t>
             </a:fld>
             <a:endParaRPr lang="en-US"/>
           </a:p>
@@ -2348,7 +2353,7 @@
           <a:p>
             <a:fld id="{CB1AFEA4-DFDB-4E66-A9E8-8870E7FD91BB}" type="datetimeFigureOut">
               <a:rPr lang="en-US" smtClean="0"/>
-              <a:t>1/17/2025</a:t>
+              <a:t>1/30/2025</a:t>
             </a:fld>
             <a:endParaRPr lang="en-US"/>
           </a:p>
@@ -2561,7 +2566,7 @@
           <a:p>
             <a:fld id="{CB1AFEA4-DFDB-4E66-A9E8-8870E7FD91BB}" type="datetimeFigureOut">
               <a:rPr lang="en-US" smtClean="0"/>
-              <a:t>1/17/2025</a:t>
+              <a:t>1/30/2025</a:t>
             </a:fld>
             <a:endParaRPr lang="en-US"/>
           </a:p>
@@ -2968,10 +2973,10 @@
       </p:grpSpPr>
       <p:pic>
         <p:nvPicPr>
-          <p:cNvPr id="5" name="Picture 4">
+          <p:cNvPr id="6" name="Picture 5">
             <a:extLst>
               <a:ext uri="{FF2B5EF4-FFF2-40B4-BE49-F238E27FC236}">
-                <a16:creationId xmlns:a16="http://schemas.microsoft.com/office/drawing/2014/main" id="{6005D4B6-9D22-494A-83E6-8F5A223868C2}"/>
+                <a16:creationId xmlns:a16="http://schemas.microsoft.com/office/drawing/2014/main" id="{4B2AE396-6545-42C4-8D25-0966F8FD36CB}"/>
               </a:ext>
             </a:extLst>
           </p:cNvPr>
@@ -2994,8 +2999,8 @@
         </p:blipFill>
         <p:spPr>
           <a:xfrm>
-            <a:off x="0" y="4090737"/>
-            <a:ext cx="6817895" cy="4090737"/>
+            <a:off x="0" y="4052728"/>
+            <a:ext cx="6858000" cy="4114800"/>
           </a:xfrm>
           <a:prstGeom prst="rect">
             <a:avLst/>
@@ -3004,10 +3009,10 @@
       </p:pic>
       <p:pic>
         <p:nvPicPr>
-          <p:cNvPr id="7" name="Picture 6">
+          <p:cNvPr id="3" name="Picture 2">
             <a:extLst>
               <a:ext uri="{FF2B5EF4-FFF2-40B4-BE49-F238E27FC236}">
-                <a16:creationId xmlns:a16="http://schemas.microsoft.com/office/drawing/2014/main" id="{A19E6CAE-1FED-4FF8-B25A-BF268DB293C3}"/>
+                <a16:creationId xmlns:a16="http://schemas.microsoft.com/office/drawing/2014/main" id="{0D38D50D-4805-4C5D-A7E2-099AAF675080}"/>
               </a:ext>
             </a:extLst>
           </p:cNvPr>
@@ -3030,8 +3035,8 @@
         </p:blipFill>
         <p:spPr>
           <a:xfrm>
-            <a:off x="0" y="8073190"/>
-            <a:ext cx="6864683" cy="4118810"/>
+            <a:off x="40105" y="8077200"/>
+            <a:ext cx="6858000" cy="4114800"/>
           </a:xfrm>
           <a:prstGeom prst="rect">
             <a:avLst/>
